--- a/azure_functional_document/gifuAzure.pptx
+++ b/azure_functional_document/gifuAzure.pptx
@@ -5,10 +5,10 @@
     <p:sldMasterId id="2147483660" r:id="rId1"/>
   </p:sldMasterIdLst>
   <p:notesMasterIdLst>
-    <p:notesMasterId r:id="rId52"/>
+    <p:notesMasterId r:id="rId51"/>
   </p:notesMasterIdLst>
   <p:handoutMasterIdLst>
-    <p:handoutMasterId r:id="rId53"/>
+    <p:handoutMasterId r:id="rId52"/>
   </p:handoutMasterIdLst>
   <p:sldIdLst>
     <p:sldId id="258" r:id="rId2"/>
@@ -53,14 +53,13 @@
     <p:sldId id="330" r:id="rId41"/>
     <p:sldId id="334" r:id="rId42"/>
     <p:sldId id="353" r:id="rId43"/>
-    <p:sldId id="339" r:id="rId44"/>
-    <p:sldId id="271" r:id="rId45"/>
-    <p:sldId id="376" r:id="rId46"/>
-    <p:sldId id="377" r:id="rId47"/>
-    <p:sldId id="379" r:id="rId48"/>
-    <p:sldId id="380" r:id="rId49"/>
-    <p:sldId id="272" r:id="rId50"/>
-    <p:sldId id="273" r:id="rId51"/>
+    <p:sldId id="271" r:id="rId44"/>
+    <p:sldId id="376" r:id="rId45"/>
+    <p:sldId id="377" r:id="rId46"/>
+    <p:sldId id="379" r:id="rId47"/>
+    <p:sldId id="380" r:id="rId48"/>
+    <p:sldId id="272" r:id="rId49"/>
+    <p:sldId id="273" r:id="rId50"/>
   </p:sldIdLst>
   <p:sldSz cx="12192000" cy="6858000"/>
   <p:notesSz cx="6858000" cy="9144000"/>
@@ -38201,13 +38200,10 @@
           <a:bodyPr/>
           <a:lstStyle/>
           <a:p>
+            <a:pPr algn="ctr"/>
             <a:r>
               <a:rPr lang="ja-JP" altLang="en-US" dirty="0" smtClean="0"/>
-              <a:t>無料で</a:t>
-            </a:r>
-            <a:r>
-              <a:rPr lang="ja-JP" altLang="en-US" dirty="0" smtClean="0"/>
-              <a:t>出来る機能</a:t>
+              <a:t>さらに学ぶには</a:t>
             </a:r>
             <a:endParaRPr kumimoji="1" lang="ja-JP" altLang="en-US" dirty="0"/>
           </a:p>
@@ -38215,531 +38211,27 @@
       </p:sp>
       <p:sp>
         <p:nvSpPr>
-          <p:cNvPr id="4" name="テキスト ボックス 3"/>
-          <p:cNvSpPr txBox="1"/>
-          <p:nvPr/>
-        </p:nvSpPr>
-        <p:spPr>
-          <a:xfrm>
-            <a:off x="1007180" y="1153341"/>
-            <a:ext cx="7926078" cy="914400"/>
-          </a:xfrm>
-          <a:prstGeom prst="rect">
-            <a:avLst/>
-          </a:prstGeom>
-        </p:spPr>
-        <p:txBody>
-          <a:bodyPr vert="horz" wrap="none" lIns="91440" tIns="45720" rIns="91440" bIns="45720" rtlCol="0" anchor="ctr">
-            <a:normAutofit/>
-          </a:bodyPr>
-          <a:lstStyle/>
-          <a:p>
-            <a:r>
-              <a:rPr kumimoji="1" lang="ja-JP" altLang="en-US" sz="3600" dirty="0" smtClean="0">
-                <a:solidFill>
-                  <a:srgbClr val="333333"/>
-                </a:solidFill>
-              </a:rPr>
-              <a:t>無料で出来る</a:t>
-            </a:r>
-            <a:r>
-              <a:rPr lang="en-US" altLang="ja-JP" sz="3600" dirty="0" smtClean="0">
-                <a:solidFill>
-                  <a:srgbClr val="333333"/>
-                </a:solidFill>
-              </a:rPr>
-              <a:t>(</a:t>
-            </a:r>
-            <a:r>
-              <a:rPr lang="en-US" altLang="ja-JP" sz="3600" dirty="0" smtClean="0">
-                <a:solidFill>
-                  <a:srgbClr val="333333"/>
-                </a:solidFill>
-              </a:rPr>
-              <a:t>2016/12/22)</a:t>
-            </a:r>
-            <a:r>
-              <a:rPr kumimoji="1" lang="en-US" altLang="ja-JP" sz="3600" dirty="0" smtClean="0">
-                <a:solidFill>
-                  <a:srgbClr val="333333"/>
-                </a:solidFill>
-              </a:rPr>
-              <a:t> </a:t>
-            </a:r>
-            <a:endParaRPr kumimoji="1" lang="ja-JP" altLang="en-US" sz="3600" dirty="0" smtClean="0">
-              <a:solidFill>
-                <a:srgbClr val="333333"/>
-              </a:solidFill>
-            </a:endParaRPr>
-          </a:p>
-        </p:txBody>
-      </p:sp>
-      <p:pic>
-        <p:nvPicPr>
-          <p:cNvPr id="6" name="図 5" descr="Medium.png"/>
-          <p:cNvPicPr>
-            <a:picLocks noChangeAspect="1"/>
-          </p:cNvPicPr>
-          <p:nvPr/>
-        </p:nvPicPr>
-        <p:blipFill>
-          <a:blip r:embed="rId2">
-            <a:extLst>
-              <a:ext uri="{28A0092B-C50C-407E-A947-70E740481C1C}">
-                <a14:useLocalDpi xmlns:a14="http://schemas.microsoft.com/office/drawing/2010/main" val="0"/>
-              </a:ext>
-            </a:extLst>
-          </a:blip>
-          <a:stretch>
-            <a:fillRect/>
-          </a:stretch>
-        </p:blipFill>
-        <p:spPr>
-          <a:xfrm>
-            <a:off x="1121731" y="2187759"/>
-            <a:ext cx="1143000" cy="1143000"/>
-          </a:xfrm>
-          <a:prstGeom prst="rect">
-            <a:avLst/>
-          </a:prstGeom>
-        </p:spPr>
-      </p:pic>
-      <p:pic>
-        <p:nvPicPr>
-          <p:cNvPr id="7" name="図 6" descr="Medium.png"/>
-          <p:cNvPicPr>
-            <a:picLocks noChangeAspect="1"/>
-          </p:cNvPicPr>
-          <p:nvPr/>
-        </p:nvPicPr>
-        <p:blipFill>
-          <a:blip r:embed="rId3">
-            <a:extLst>
-              <a:ext uri="{28A0092B-C50C-407E-A947-70E740481C1C}">
-                <a14:useLocalDpi xmlns:a14="http://schemas.microsoft.com/office/drawing/2010/main" val="0"/>
-              </a:ext>
-            </a:extLst>
-          </a:blip>
-          <a:stretch>
-            <a:fillRect/>
-          </a:stretch>
-        </p:blipFill>
-        <p:spPr>
-          <a:xfrm>
-            <a:off x="2847147" y="2187759"/>
-            <a:ext cx="1143000" cy="1143000"/>
-          </a:xfrm>
-          <a:prstGeom prst="rect">
-            <a:avLst/>
-          </a:prstGeom>
-        </p:spPr>
-      </p:pic>
-      <p:pic>
-        <p:nvPicPr>
-          <p:cNvPr id="8" name="図 7" descr="Medium.png"/>
-          <p:cNvPicPr>
-            <a:picLocks noChangeAspect="1"/>
-          </p:cNvPicPr>
-          <p:nvPr/>
-        </p:nvPicPr>
-        <p:blipFill>
-          <a:blip r:embed="rId4">
-            <a:extLst>
-              <a:ext uri="{28A0092B-C50C-407E-A947-70E740481C1C}">
-                <a14:useLocalDpi xmlns:a14="http://schemas.microsoft.com/office/drawing/2010/main" val="0"/>
-              </a:ext>
-            </a:extLst>
-          </a:blip>
-          <a:stretch>
-            <a:fillRect/>
-          </a:stretch>
-        </p:blipFill>
-        <p:spPr>
-          <a:xfrm>
-            <a:off x="4572563" y="2187759"/>
-            <a:ext cx="1143000" cy="1143000"/>
-          </a:xfrm>
-          <a:prstGeom prst="rect">
-            <a:avLst/>
-          </a:prstGeom>
-        </p:spPr>
-      </p:pic>
-      <p:pic>
-        <p:nvPicPr>
-          <p:cNvPr id="9" name="図 8" descr="Medium.png"/>
-          <p:cNvPicPr>
-            <a:picLocks noChangeAspect="1"/>
-          </p:cNvPicPr>
-          <p:nvPr/>
-        </p:nvPicPr>
-        <p:blipFill>
-          <a:blip r:embed="rId5">
-            <a:extLst>
-              <a:ext uri="{28A0092B-C50C-407E-A947-70E740481C1C}">
-                <a14:useLocalDpi xmlns:a14="http://schemas.microsoft.com/office/drawing/2010/main" val="0"/>
-              </a:ext>
-            </a:extLst>
-          </a:blip>
-          <a:stretch>
-            <a:fillRect/>
-          </a:stretch>
-        </p:blipFill>
-        <p:spPr>
-          <a:xfrm>
-            <a:off x="8023395" y="2330634"/>
-            <a:ext cx="857250" cy="857250"/>
-          </a:xfrm>
-          <a:prstGeom prst="rect">
-            <a:avLst/>
-          </a:prstGeom>
-        </p:spPr>
-      </p:pic>
-      <p:pic>
-        <p:nvPicPr>
-          <p:cNvPr id="10" name="図 9" descr="Medium.png"/>
-          <p:cNvPicPr>
-            <a:picLocks noChangeAspect="1"/>
-          </p:cNvPicPr>
-          <p:nvPr/>
-        </p:nvPicPr>
-        <p:blipFill>
-          <a:blip r:embed="rId6">
-            <a:extLst>
-              <a:ext uri="{28A0092B-C50C-407E-A947-70E740481C1C}">
-                <a14:useLocalDpi xmlns:a14="http://schemas.microsoft.com/office/drawing/2010/main" val="0"/>
-              </a:ext>
-            </a:extLst>
-          </a:blip>
-          <a:stretch>
-            <a:fillRect/>
-          </a:stretch>
-        </p:blipFill>
-        <p:spPr>
-          <a:xfrm>
-            <a:off x="6297979" y="2187759"/>
-            <a:ext cx="1143000" cy="1143000"/>
-          </a:xfrm>
-          <a:prstGeom prst="rect">
-            <a:avLst/>
-          </a:prstGeom>
-        </p:spPr>
-      </p:pic>
-      <p:pic>
-        <p:nvPicPr>
-          <p:cNvPr id="11" name="図 10" descr="Medium.png"/>
-          <p:cNvPicPr>
-            <a:picLocks noChangeAspect="1"/>
-          </p:cNvPicPr>
-          <p:nvPr/>
-        </p:nvPicPr>
-        <p:blipFill>
-          <a:blip r:embed="rId7">
-            <a:extLst>
-              <a:ext uri="{28A0092B-C50C-407E-A947-70E740481C1C}">
-                <a14:useLocalDpi xmlns:a14="http://schemas.microsoft.com/office/drawing/2010/main" val="0"/>
-              </a:ext>
-            </a:extLst>
-          </a:blip>
-          <a:stretch>
-            <a:fillRect/>
-          </a:stretch>
-        </p:blipFill>
-        <p:spPr>
-          <a:xfrm>
-            <a:off x="1107134" y="3638826"/>
-            <a:ext cx="1143000" cy="1143000"/>
-          </a:xfrm>
-          <a:prstGeom prst="rect">
-            <a:avLst/>
-          </a:prstGeom>
-        </p:spPr>
-      </p:pic>
-      <p:pic>
-        <p:nvPicPr>
-          <p:cNvPr id="12" name="図 11" descr="Medium.png"/>
-          <p:cNvPicPr>
-            <a:picLocks noChangeAspect="1"/>
-          </p:cNvPicPr>
-          <p:nvPr/>
-        </p:nvPicPr>
-        <p:blipFill>
-          <a:blip r:embed="rId8">
-            <a:extLst>
-              <a:ext uri="{28A0092B-C50C-407E-A947-70E740481C1C}">
-                <a14:useLocalDpi xmlns:a14="http://schemas.microsoft.com/office/drawing/2010/main" val="0"/>
-              </a:ext>
-            </a:extLst>
-          </a:blip>
-          <a:stretch>
-            <a:fillRect/>
-          </a:stretch>
-        </p:blipFill>
-        <p:spPr>
-          <a:xfrm>
-            <a:off x="2851569" y="3638331"/>
-            <a:ext cx="1143989" cy="1143989"/>
-          </a:xfrm>
-          <a:prstGeom prst="rect">
-            <a:avLst/>
-          </a:prstGeom>
-        </p:spPr>
-      </p:pic>
-      <p:pic>
-        <p:nvPicPr>
-          <p:cNvPr id="13" name="図 12" descr="Medium.png"/>
-          <p:cNvPicPr>
-            <a:picLocks noChangeAspect="1"/>
-          </p:cNvPicPr>
-          <p:nvPr/>
-        </p:nvPicPr>
-        <p:blipFill>
-          <a:blip r:embed="rId9">
-            <a:extLst>
-              <a:ext uri="{28A0092B-C50C-407E-A947-70E740481C1C}">
-                <a14:useLocalDpi xmlns:a14="http://schemas.microsoft.com/office/drawing/2010/main" val="0"/>
-              </a:ext>
-            </a:extLst>
-          </a:blip>
-          <a:stretch>
-            <a:fillRect/>
-          </a:stretch>
-        </p:blipFill>
-        <p:spPr>
-          <a:xfrm>
-            <a:off x="6307921" y="3668859"/>
-            <a:ext cx="1082934" cy="1082934"/>
-          </a:xfrm>
-          <a:prstGeom prst="rect">
-            <a:avLst/>
-          </a:prstGeom>
-        </p:spPr>
-      </p:pic>
-      <p:pic>
-        <p:nvPicPr>
-          <p:cNvPr id="14" name="図 13" descr="Medium.png"/>
-          <p:cNvPicPr>
-            <a:picLocks noChangeAspect="1"/>
-          </p:cNvPicPr>
-          <p:nvPr/>
-        </p:nvPicPr>
-        <p:blipFill>
-          <a:blip r:embed="rId10">
-            <a:extLst>
-              <a:ext uri="{28A0092B-C50C-407E-A947-70E740481C1C}">
-                <a14:useLocalDpi xmlns:a14="http://schemas.microsoft.com/office/drawing/2010/main" val="0"/>
-              </a:ext>
-            </a:extLst>
-          </a:blip>
-          <a:stretch>
-            <a:fillRect/>
-          </a:stretch>
-        </p:blipFill>
-        <p:spPr>
-          <a:xfrm>
-            <a:off x="4606289" y="3652931"/>
-            <a:ext cx="1114790" cy="1114790"/>
-          </a:xfrm>
-          <a:prstGeom prst="rect">
-            <a:avLst/>
-          </a:prstGeom>
-        </p:spPr>
-      </p:pic>
-      <p:sp>
-        <p:nvSpPr>
-          <p:cNvPr id="16" name="テキスト ボックス 15"/>
-          <p:cNvSpPr txBox="1"/>
-          <p:nvPr/>
-        </p:nvSpPr>
-        <p:spPr>
-          <a:xfrm>
-            <a:off x="828363" y="5080542"/>
-            <a:ext cx="10808113" cy="1631467"/>
-          </a:xfrm>
-          <a:prstGeom prst="rect">
-            <a:avLst/>
-          </a:prstGeom>
-        </p:spPr>
-        <p:txBody>
-          <a:bodyPr vert="horz" wrap="none" lIns="91440" tIns="45720" rIns="91440" bIns="45720" rtlCol="0" anchor="ctr">
-            <a:normAutofit/>
-          </a:bodyPr>
-          <a:lstStyle/>
-          <a:p>
-            <a:r>
-              <a:rPr kumimoji="1" lang="en-US" altLang="ja-JP" sz="2400" dirty="0" smtClean="0"/>
-              <a:t>Web App</a:t>
-            </a:r>
-            <a:r>
-              <a:rPr kumimoji="1" lang="ja-JP" altLang="en-US" sz="2400" dirty="0" smtClean="0"/>
-              <a:t>，</a:t>
-            </a:r>
-            <a:r>
-              <a:rPr kumimoji="1" lang="en-US" altLang="ja-JP" sz="2400" dirty="0" smtClean="0"/>
-              <a:t>Mobile App</a:t>
-            </a:r>
-            <a:r>
-              <a:rPr lang="ja-JP" altLang="en-US" sz="2400" dirty="0" smtClean="0"/>
-              <a:t>，</a:t>
-            </a:r>
-            <a:r>
-              <a:rPr lang="en-US" altLang="ja-JP" sz="2400" dirty="0" smtClean="0"/>
-              <a:t>API App</a:t>
-            </a:r>
-            <a:r>
-              <a:rPr lang="ja-JP" altLang="en-US" sz="2400" dirty="0" smtClean="0"/>
-              <a:t>，</a:t>
-            </a:r>
-            <a:r>
-              <a:rPr lang="en-US" altLang="ja-JP" sz="2400" dirty="0"/>
-              <a:t>Notification </a:t>
-            </a:r>
-            <a:r>
-              <a:rPr lang="en-US" altLang="ja-JP" sz="2400" dirty="0" smtClean="0"/>
-              <a:t>Hub</a:t>
-            </a:r>
-            <a:r>
-              <a:rPr lang="ja-JP" altLang="en-US" sz="2400" dirty="0" smtClean="0"/>
-              <a:t>，</a:t>
-            </a:r>
-            <a:r>
-              <a:rPr lang="en-US" altLang="ja-JP" sz="2400" dirty="0" err="1"/>
-              <a:t>Umbraco</a:t>
-            </a:r>
-            <a:r>
-              <a:rPr lang="en-US" altLang="ja-JP" sz="2400" dirty="0"/>
-              <a:t> </a:t>
-            </a:r>
-            <a:r>
-              <a:rPr lang="en-US" altLang="ja-JP" sz="2400" dirty="0" smtClean="0"/>
-              <a:t>CMS</a:t>
-            </a:r>
-          </a:p>
-          <a:p>
-            <a:r>
-              <a:rPr kumimoji="1" lang="en-US" altLang="ja-JP" sz="2400" dirty="0" smtClean="0"/>
-              <a:t>SQL Database</a:t>
-            </a:r>
-            <a:r>
-              <a:rPr kumimoji="1" lang="ja-JP" altLang="en-US" sz="2400" dirty="0" smtClean="0"/>
-              <a:t>，</a:t>
-            </a:r>
-            <a:r>
-              <a:rPr kumimoji="1" lang="en-US" altLang="ja-JP" sz="2400" dirty="0" smtClean="0"/>
-              <a:t>MySQL </a:t>
-            </a:r>
-            <a:r>
-              <a:rPr kumimoji="1" lang="ja-JP" altLang="en-US" sz="2400" dirty="0" smtClean="0"/>
-              <a:t>データベース，</a:t>
-            </a:r>
-            <a:r>
-              <a:rPr lang="en-US" altLang="ja-JP" sz="2400" dirty="0"/>
-              <a:t>Application Insights</a:t>
-            </a:r>
-            <a:r>
-              <a:rPr lang="ja-JP" altLang="en-US" sz="2400" dirty="0" smtClean="0"/>
-              <a:t>，</a:t>
-            </a:r>
-            <a:r>
-              <a:rPr lang="en-US" altLang="ja-JP" sz="2400" dirty="0" smtClean="0"/>
-              <a:t>Team Project</a:t>
-            </a:r>
-            <a:r>
-              <a:rPr lang="ja-JP" altLang="en-US" sz="2400" dirty="0" smtClean="0"/>
-              <a:t>，</a:t>
-            </a:r>
-            <a:endParaRPr lang="en-US" altLang="ja-JP" sz="2400" dirty="0" smtClean="0"/>
-          </a:p>
-          <a:p>
-            <a:r>
-              <a:rPr lang="en-US" altLang="ja-JP" sz="2400" dirty="0" smtClean="0"/>
-              <a:t>Machine </a:t>
-            </a:r>
-            <a:r>
-              <a:rPr lang="en-US" altLang="ja-JP" sz="2400" dirty="0"/>
-              <a:t>Learning</a:t>
-            </a:r>
-            <a:endParaRPr kumimoji="1" lang="ja-JP" altLang="en-US" sz="2400" dirty="0" smtClean="0"/>
-          </a:p>
-        </p:txBody>
-      </p:sp>
-      <p:sp>
-        <p:nvSpPr>
-          <p:cNvPr id="17" name="角丸四角形 16"/>
-          <p:cNvSpPr/>
-          <p:nvPr/>
-        </p:nvSpPr>
-        <p:spPr>
-          <a:xfrm>
-            <a:off x="819247" y="5270331"/>
-            <a:ext cx="10935218" cy="1343131"/>
-          </a:xfrm>
-          <a:prstGeom prst="roundRect">
-            <a:avLst/>
-          </a:prstGeom>
-          <a:noFill/>
-          <a:ln w="76200" cmpd="sng">
-            <a:solidFill>
-              <a:srgbClr val="00BAD7"/>
-            </a:solidFill>
-          </a:ln>
-        </p:spPr>
-        <p:style>
-          <a:lnRef idx="1">
-            <a:schemeClr val="accent1"/>
-          </a:lnRef>
-          <a:fillRef idx="3">
-            <a:schemeClr val="accent1"/>
-          </a:fillRef>
-          <a:effectRef idx="2">
-            <a:schemeClr val="accent1"/>
-          </a:effectRef>
-          <a:fontRef idx="minor">
-            <a:schemeClr val="lt1"/>
-          </a:fontRef>
-        </p:style>
-        <p:txBody>
-          <a:bodyPr rtlCol="0" anchor="ctr"/>
-          <a:lstStyle/>
-          <a:p>
-            <a:pPr algn="ctr"/>
+          <p:cNvPr id="3" name="テキスト プレースホルダー 2"/>
+          <p:cNvSpPr>
+            <a:spLocks noGrp="1"/>
+          </p:cNvSpPr>
+          <p:nvPr>
+            <p:ph type="body" idx="1"/>
+          </p:nvPr>
+        </p:nvSpPr>
+        <p:spPr/>
+        <p:txBody>
+          <a:bodyPr/>
+          <a:lstStyle/>
+          <a:p>
             <a:endParaRPr kumimoji="1" lang="ja-JP" altLang="en-US"/>
           </a:p>
         </p:txBody>
       </p:sp>
-      <p:pic>
-        <p:nvPicPr>
-          <p:cNvPr id="19" name="図 18" descr="Medium.png"/>
-          <p:cNvPicPr>
-            <a:picLocks noChangeAspect="1"/>
-          </p:cNvPicPr>
-          <p:nvPr/>
-        </p:nvPicPr>
-        <p:blipFill>
-          <a:blip r:embed="rId11">
-            <a:extLst>
-              <a:ext uri="{28A0092B-C50C-407E-A947-70E740481C1C}">
-                <a14:useLocalDpi xmlns:a14="http://schemas.microsoft.com/office/drawing/2010/main" val="0"/>
-              </a:ext>
-            </a:extLst>
-          </a:blip>
-          <a:stretch>
-            <a:fillRect/>
-          </a:stretch>
-        </p:blipFill>
-        <p:spPr>
-          <a:xfrm>
-            <a:off x="7894662" y="3679095"/>
-            <a:ext cx="1053193" cy="1053193"/>
-          </a:xfrm>
-          <a:prstGeom prst="rect">
-            <a:avLst/>
-          </a:prstGeom>
-        </p:spPr>
-      </p:pic>
     </p:spTree>
     <p:extLst>
       <p:ext uri="{BB962C8B-B14F-4D97-AF65-F5344CB8AC3E}">
-        <p14:creationId xmlns:p14="http://schemas.microsoft.com/office/powerpoint/2010/main" val="852992006"/>
+        <p14:creationId xmlns:p14="http://schemas.microsoft.com/office/powerpoint/2010/main" val="2037307570"/>
       </p:ext>
     </p:extLst>
   </p:cSld>
@@ -38796,10 +38288,21 @@
           <a:bodyPr/>
           <a:lstStyle/>
           <a:p>
-            <a:pPr algn="ctr"/>
+            <a:r>
+              <a:rPr kumimoji="1" lang="ja-JP" altLang="en-US" dirty="0" smtClean="0"/>
+              <a:t>公式サイトの見方</a:t>
+            </a:r>
+            <a:r>
+              <a:rPr kumimoji="1" lang="en-US" altLang="ja-JP" dirty="0" smtClean="0"/>
+              <a:t> </a:t>
+            </a:r>
+            <a:r>
+              <a:rPr lang="en-US" altLang="ja-JP" dirty="0" smtClean="0"/>
+              <a:t>– </a:t>
+            </a:r>
             <a:r>
               <a:rPr lang="ja-JP" altLang="en-US" dirty="0" smtClean="0"/>
-              <a:t>さらに学ぶには</a:t>
+              <a:t>ドキュメントセンター編</a:t>
             </a:r>
             <a:endParaRPr kumimoji="1" lang="ja-JP" altLang="en-US" dirty="0"/>
           </a:p>
@@ -38807,27 +38310,86 @@
       </p:sp>
       <p:sp>
         <p:nvSpPr>
-          <p:cNvPr id="3" name="テキスト プレースホルダー 2"/>
+          <p:cNvPr id="3" name="コンテンツ プレースホルダー 2"/>
           <p:cNvSpPr>
             <a:spLocks noGrp="1"/>
           </p:cNvSpPr>
           <p:nvPr>
-            <p:ph type="body" idx="1"/>
+            <p:ph sz="half" idx="1"/>
           </p:nvPr>
         </p:nvSpPr>
         <p:spPr/>
         <p:txBody>
-          <a:bodyPr/>
-          <a:lstStyle/>
-          <a:p>
-            <a:endParaRPr kumimoji="1" lang="ja-JP" altLang="en-US"/>
+          <a:bodyPr>
+            <a:normAutofit/>
+          </a:bodyPr>
+          <a:lstStyle/>
+          <a:p>
+            <a:r>
+              <a:rPr lang="ja-JP" altLang="en-US" sz="3600" dirty="0" smtClean="0"/>
+              <a:t>ドキュメントセンター</a:t>
+            </a:r>
+            <a:endParaRPr lang="en-US" altLang="ja-JP" sz="3600" dirty="0" smtClean="0"/>
+          </a:p>
+          <a:p>
+            <a:pPr lvl="1"/>
+            <a:r>
+              <a:rPr lang="ja-JP" altLang="en-US" sz="2400" dirty="0" smtClean="0"/>
+              <a:t>サンプルコード、使用方法等詳しく解説してある公式サイト</a:t>
+            </a:r>
+            <a:endParaRPr lang="en-US" altLang="ja-JP" sz="2400" dirty="0" smtClean="0"/>
+          </a:p>
+          <a:p>
+            <a:pPr lvl="1"/>
+            <a:r>
+              <a:rPr lang="ja-JP" altLang="en-US" sz="2400" dirty="0" smtClean="0"/>
+              <a:t>わかりづらい部分も若干ある</a:t>
+            </a:r>
+            <a:endParaRPr lang="en-US" altLang="ja-JP" sz="2400" dirty="0" smtClean="0"/>
+          </a:p>
+          <a:p>
+            <a:pPr lvl="1"/>
+            <a:r>
+              <a:rPr lang="ja-JP" altLang="en-US" sz="2400" dirty="0" smtClean="0"/>
+              <a:t>量では一番</a:t>
+            </a:r>
+          </a:p>
+          <a:p>
+            <a:pPr lvl="1"/>
+            <a:r>
+              <a:rPr lang="en-US" altLang="ja-JP" sz="2400" dirty="0" smtClean="0"/>
+              <a:t>https://</a:t>
+            </a:r>
+            <a:r>
+              <a:rPr lang="en-US" altLang="ja-JP" sz="2400" dirty="0" err="1" smtClean="0"/>
+              <a:t>azure.microsoft.com</a:t>
+            </a:r>
+            <a:r>
+              <a:rPr lang="en-US" altLang="ja-JP" sz="2400" dirty="0" smtClean="0"/>
+              <a:t>/</a:t>
+            </a:r>
+            <a:r>
+              <a:rPr lang="en-US" altLang="ja-JP" sz="2400" dirty="0" err="1" smtClean="0"/>
+              <a:t>ja-jp</a:t>
+            </a:r>
+            <a:r>
+              <a:rPr lang="en-US" altLang="ja-JP" sz="2400" dirty="0" smtClean="0"/>
+              <a:t>/documentation/</a:t>
+            </a:r>
+          </a:p>
+          <a:p>
+            <a:pPr lvl="1"/>
+            <a:endParaRPr lang="en-US" altLang="ja-JP" dirty="0" smtClean="0"/>
+          </a:p>
+          <a:p>
+            <a:endParaRPr lang="en-US" altLang="ja-JP" sz="3200" dirty="0"/>
           </a:p>
         </p:txBody>
       </p:sp>
     </p:spTree>
     <p:extLst>
       <p:ext uri="{BB962C8B-B14F-4D97-AF65-F5344CB8AC3E}">
-        <p14:creationId xmlns:p14="http://schemas.microsoft.com/office/powerpoint/2010/main" val="2037307570"/>
+        <p14:creationId xmlns:p14="http://schemas.microsoft.com/office/powerpoint/2010/main" val="3365925111"/>
       </p:ext>
     </p:extLst>
   </p:cSld>
@@ -38921,60 +38483,9 @@
           </a:bodyPr>
           <a:lstStyle/>
           <a:p>
-            <a:r>
-              <a:rPr lang="ja-JP" altLang="en-US" sz="3600" dirty="0" smtClean="0"/>
-              <a:t>ドキュメントセンター</a:t>
-            </a:r>
-            <a:endParaRPr lang="en-US" altLang="ja-JP" sz="3600" dirty="0" smtClean="0"/>
-          </a:p>
-          <a:p>
-            <a:pPr lvl="1"/>
-            <a:r>
-              <a:rPr lang="ja-JP" altLang="en-US" sz="2400" dirty="0" smtClean="0"/>
-              <a:t>サンプルコード、使用方法等詳しく解説してある公式サイト</a:t>
-            </a:r>
-            <a:endParaRPr lang="en-US" altLang="ja-JP" sz="2400" dirty="0" smtClean="0"/>
-          </a:p>
-          <a:p>
-            <a:pPr lvl="1"/>
-            <a:r>
-              <a:rPr lang="ja-JP" altLang="en-US" sz="2400" dirty="0" smtClean="0"/>
-              <a:t>わかりづらい部分も若干ある</a:t>
-            </a:r>
-            <a:endParaRPr lang="en-US" altLang="ja-JP" sz="2400" dirty="0" smtClean="0"/>
-          </a:p>
-          <a:p>
-            <a:pPr lvl="1"/>
-            <a:r>
-              <a:rPr lang="ja-JP" altLang="en-US" sz="2400" dirty="0" smtClean="0"/>
-              <a:t>量では一番</a:t>
-            </a:r>
-          </a:p>
-          <a:p>
-            <a:pPr lvl="1"/>
-            <a:r>
-              <a:rPr lang="en-US" altLang="ja-JP" sz="2400" dirty="0" smtClean="0"/>
-              <a:t>https://</a:t>
-            </a:r>
-            <a:r>
-              <a:rPr lang="en-US" altLang="ja-JP" sz="2400" dirty="0" err="1" smtClean="0"/>
-              <a:t>azure.microsoft.com</a:t>
-            </a:r>
-            <a:r>
-              <a:rPr lang="en-US" altLang="ja-JP" sz="2400" dirty="0" smtClean="0"/>
-              <a:t>/</a:t>
-            </a:r>
-            <a:r>
-              <a:rPr lang="en-US" altLang="ja-JP" sz="2400" dirty="0" err="1" smtClean="0"/>
-              <a:t>ja-jp</a:t>
-            </a:r>
-            <a:r>
-              <a:rPr lang="en-US" altLang="ja-JP" sz="2400" dirty="0" smtClean="0"/>
-              <a:t>/documentation/</a:t>
-            </a:r>
-          </a:p>
-          <a:p>
-            <a:pPr lvl="1"/>
+            <a:pPr marL="609585" lvl="1" indent="0">
+              <a:buNone/>
+            </a:pPr>
             <a:endParaRPr lang="en-US" altLang="ja-JP" dirty="0" smtClean="0"/>
           </a:p>
           <a:p>
@@ -38982,10 +38493,40 @@
           </a:p>
         </p:txBody>
       </p:sp>
+      <p:pic>
+        <p:nvPicPr>
+          <p:cNvPr id="4" name="図 3" descr="スクリーンショット_2016-06-05_7_48_00.png"/>
+          <p:cNvPicPr>
+            <a:picLocks noChangeAspect="1"/>
+          </p:cNvPicPr>
+          <p:nvPr/>
+        </p:nvPicPr>
+        <p:blipFill>
+          <a:blip r:embed="rId2">
+            <a:extLst>
+              <a:ext uri="{28A0092B-C50C-407E-A947-70E740481C1C}">
+                <a14:useLocalDpi xmlns:a14="http://schemas.microsoft.com/office/drawing/2010/main" val="0"/>
+              </a:ext>
+            </a:extLst>
+          </a:blip>
+          <a:stretch>
+            <a:fillRect/>
+          </a:stretch>
+        </p:blipFill>
+        <p:spPr>
+          <a:xfrm>
+            <a:off x="818943" y="837924"/>
+            <a:ext cx="10554115" cy="6020076"/>
+          </a:xfrm>
+          <a:prstGeom prst="rect">
+            <a:avLst/>
+          </a:prstGeom>
+        </p:spPr>
+      </p:pic>
     </p:spTree>
     <p:extLst>
       <p:ext uri="{BB962C8B-B14F-4D97-AF65-F5344CB8AC3E}">
-        <p14:creationId xmlns:p14="http://schemas.microsoft.com/office/powerpoint/2010/main" val="3365925111"/>
+        <p14:creationId xmlns:p14="http://schemas.microsoft.com/office/powerpoint/2010/main" val="3982684069"/>
       </p:ext>
     </p:extLst>
   </p:cSld>
@@ -39091,7 +38632,7 @@
       </p:sp>
       <p:pic>
         <p:nvPicPr>
-          <p:cNvPr id="4" name="図 3" descr="スクリーンショット_2016-06-05_7_48_00.png"/>
+          <p:cNvPr id="5" name="図 4" descr="スクリーンショット_2016-06-05_11_52_47.png"/>
           <p:cNvPicPr>
             <a:picLocks noChangeAspect="1"/>
           </p:cNvPicPr>
@@ -39111,8 +38652,8 @@
         </p:blipFill>
         <p:spPr>
           <a:xfrm>
-            <a:off x="818943" y="837924"/>
-            <a:ext cx="10554115" cy="6020076"/>
+            <a:off x="0" y="1309748"/>
+            <a:ext cx="12192000" cy="5118110"/>
           </a:xfrm>
           <a:prstGeom prst="rect">
             <a:avLst/>
@@ -39122,7 +38663,7 @@
     </p:spTree>
     <p:extLst>
       <p:ext uri="{BB962C8B-B14F-4D97-AF65-F5344CB8AC3E}">
-        <p14:creationId xmlns:p14="http://schemas.microsoft.com/office/powerpoint/2010/main" val="3982684069"/>
+        <p14:creationId xmlns:p14="http://schemas.microsoft.com/office/powerpoint/2010/main" val="2309030591"/>
       </p:ext>
     </p:extLst>
   </p:cSld>
@@ -39228,7 +38769,7 @@
       </p:sp>
       <p:pic>
         <p:nvPicPr>
-          <p:cNvPr id="5" name="図 4" descr="スクリーンショット_2016-06-05_11_52_47.png"/>
+          <p:cNvPr id="4" name="図 3" descr="スクリーンショット_2016-06-05_23_13_38.png"/>
           <p:cNvPicPr>
             <a:picLocks noChangeAspect="1"/>
           </p:cNvPicPr>
@@ -39248,8 +38789,8 @@
         </p:blipFill>
         <p:spPr>
           <a:xfrm>
-            <a:off x="0" y="1309748"/>
-            <a:ext cx="12192000" cy="5118110"/>
+            <a:off x="0" y="942344"/>
+            <a:ext cx="12192000" cy="5794521"/>
           </a:xfrm>
           <a:prstGeom prst="rect">
             <a:avLst/>
@@ -39259,7 +38800,7 @@
     </p:spTree>
     <p:extLst>
       <p:ext uri="{BB962C8B-B14F-4D97-AF65-F5344CB8AC3E}">
-        <p14:creationId xmlns:p14="http://schemas.microsoft.com/office/powerpoint/2010/main" val="2309030591"/>
+        <p14:creationId xmlns:p14="http://schemas.microsoft.com/office/powerpoint/2010/main" val="2501486210"/>
       </p:ext>
     </p:extLst>
   </p:cSld>
@@ -39318,19 +38859,7 @@
           <a:p>
             <a:r>
               <a:rPr kumimoji="1" lang="ja-JP" altLang="en-US" dirty="0" smtClean="0"/>
-              <a:t>公式サイトの見方</a:t>
-            </a:r>
-            <a:r>
-              <a:rPr kumimoji="1" lang="en-US" altLang="ja-JP" dirty="0" smtClean="0"/>
-              <a:t> </a:t>
-            </a:r>
-            <a:r>
-              <a:rPr lang="en-US" altLang="ja-JP" dirty="0" smtClean="0"/>
-              <a:t>– </a:t>
-            </a:r>
-            <a:r>
-              <a:rPr lang="ja-JP" altLang="en-US" dirty="0" smtClean="0"/>
-              <a:t>ドキュメントセンター編</a:t>
+              <a:t>見るべき入門サイト、情報源</a:t>
             </a:r>
             <a:endParaRPr kumimoji="1" lang="ja-JP" altLang="en-US" dirty="0"/>
           </a:p>
@@ -39353,50 +38882,56 @@
           </a:bodyPr>
           <a:lstStyle/>
           <a:p>
-            <a:pPr marL="609585" lvl="1" indent="0">
-              <a:buNone/>
-            </a:pPr>
-            <a:endParaRPr lang="en-US" altLang="ja-JP" dirty="0" smtClean="0"/>
-          </a:p>
-          <a:p>
-            <a:endParaRPr lang="en-US" altLang="ja-JP" sz="3200" dirty="0"/>
-          </a:p>
-        </p:txBody>
-      </p:sp>
-      <p:pic>
-        <p:nvPicPr>
-          <p:cNvPr id="4" name="図 3" descr="スクリーンショット_2016-06-05_23_13_38.png"/>
-          <p:cNvPicPr>
-            <a:picLocks noChangeAspect="1"/>
-          </p:cNvPicPr>
-          <p:nvPr/>
-        </p:nvPicPr>
-        <p:blipFill>
-          <a:blip r:embed="rId2">
-            <a:extLst>
-              <a:ext uri="{28A0092B-C50C-407E-A947-70E740481C1C}">
-                <a14:useLocalDpi xmlns:a14="http://schemas.microsoft.com/office/drawing/2010/main" val="0"/>
-              </a:ext>
-            </a:extLst>
-          </a:blip>
-          <a:stretch>
-            <a:fillRect/>
-          </a:stretch>
-        </p:blipFill>
-        <p:spPr>
-          <a:xfrm>
-            <a:off x="0" y="942344"/>
-            <a:ext cx="12192000" cy="5794521"/>
-          </a:xfrm>
-          <a:prstGeom prst="rect">
-            <a:avLst/>
-          </a:prstGeom>
-        </p:spPr>
-      </p:pic>
+            <a:r>
+              <a:rPr lang="ja-JP" altLang="en-US" sz="3600" dirty="0"/>
+              <a:t>プチザッキ</a:t>
+            </a:r>
+            <a:endParaRPr lang="en-US" altLang="ja-JP" sz="3600" dirty="0"/>
+          </a:p>
+          <a:p>
+            <a:pPr lvl="1"/>
+            <a:r>
+              <a:rPr lang="ja-JP" altLang="en-US" dirty="0"/>
+              <a:t>最新情報を日本語で解説</a:t>
+            </a:r>
+            <a:endParaRPr lang="en-US" altLang="ja-JP" dirty="0"/>
+          </a:p>
+          <a:p>
+            <a:pPr lvl="1"/>
+            <a:r>
+              <a:rPr lang="ja-JP" altLang="en-US" dirty="0"/>
+              <a:t>解説記事が丁寧で非常に分かりやすい</a:t>
+            </a:r>
+            <a:endParaRPr lang="en-US" altLang="ja-JP" dirty="0"/>
+          </a:p>
+          <a:p>
+            <a:pPr lvl="1"/>
+            <a:r>
+              <a:rPr lang="en-US" altLang="ja-JP" dirty="0"/>
+              <a:t>https://</a:t>
+            </a:r>
+            <a:r>
+              <a:rPr lang="en-US" altLang="ja-JP" dirty="0" err="1"/>
+              <a:t>buchizo.wordpress.com</a:t>
+            </a:r>
+            <a:r>
+              <a:rPr lang="en-US" altLang="ja-JP" dirty="0"/>
+              <a:t>/</a:t>
+            </a:r>
+            <a:endParaRPr lang="en-US" altLang="ja-JP" sz="4400" dirty="0"/>
+          </a:p>
+          <a:p>
+            <a:endParaRPr lang="en-US" altLang="ja-JP" sz="2400" dirty="0" smtClean="0"/>
+          </a:p>
+          <a:p>
+            <a:endParaRPr lang="en-US" altLang="ja-JP" sz="2800" dirty="0"/>
+          </a:p>
+        </p:txBody>
+      </p:sp>
     </p:spTree>
     <p:extLst>
       <p:ext uri="{BB962C8B-B14F-4D97-AF65-F5344CB8AC3E}">
-        <p14:creationId xmlns:p14="http://schemas.microsoft.com/office/powerpoint/2010/main" val="2501486210"/>
+        <p14:creationId xmlns:p14="http://schemas.microsoft.com/office/powerpoint/2010/main" val="2084919992"/>
       </p:ext>
     </p:extLst>
   </p:cSld>
@@ -39455,7 +38990,7 @@
           <a:p>
             <a:r>
               <a:rPr kumimoji="1" lang="ja-JP" altLang="en-US" dirty="0" smtClean="0"/>
-              <a:t>見るべき入門サイト、情報源</a:t>
+              <a:t>ユーザーコミュニティ</a:t>
             </a:r>
             <a:endParaRPr kumimoji="1" lang="ja-JP" altLang="en-US" dirty="0"/>
           </a:p>
@@ -39478,56 +39013,126 @@
           </a:bodyPr>
           <a:lstStyle/>
           <a:p>
-            <a:r>
-              <a:rPr lang="ja-JP" altLang="en-US" sz="3600" dirty="0"/>
-              <a:t>プチザッキ</a:t>
-            </a:r>
-            <a:endParaRPr lang="en-US" altLang="ja-JP" sz="3600" dirty="0"/>
-          </a:p>
-          <a:p>
-            <a:pPr lvl="1"/>
-            <a:r>
-              <a:rPr lang="ja-JP" altLang="en-US" dirty="0"/>
-              <a:t>最新情報を日本語で解説</a:t>
-            </a:r>
-            <a:endParaRPr lang="en-US" altLang="ja-JP" dirty="0"/>
-          </a:p>
-          <a:p>
-            <a:pPr lvl="1"/>
-            <a:r>
-              <a:rPr lang="ja-JP" altLang="en-US" dirty="0"/>
-              <a:t>解説記事が丁寧で非常に分かりやすい</a:t>
-            </a:r>
-            <a:endParaRPr lang="en-US" altLang="ja-JP" dirty="0"/>
-          </a:p>
-          <a:p>
-            <a:pPr lvl="1"/>
-            <a:r>
-              <a:rPr lang="en-US" altLang="ja-JP" dirty="0"/>
-              <a:t>https://</a:t>
-            </a:r>
-            <a:r>
-              <a:rPr lang="en-US" altLang="ja-JP" dirty="0" err="1"/>
-              <a:t>buchizo.wordpress.com</a:t>
-            </a:r>
-            <a:r>
-              <a:rPr lang="en-US" altLang="ja-JP" dirty="0"/>
-              <a:t>/</a:t>
-            </a:r>
-            <a:endParaRPr lang="en-US" altLang="ja-JP" sz="4400" dirty="0"/>
-          </a:p>
-          <a:p>
-            <a:endParaRPr lang="en-US" altLang="ja-JP" sz="2400" dirty="0" smtClean="0"/>
-          </a:p>
-          <a:p>
-            <a:endParaRPr lang="en-US" altLang="ja-JP" sz="2800" dirty="0"/>
+            <a:pPr>
+              <a:lnSpc>
+                <a:spcPct val="150000"/>
+              </a:lnSpc>
+            </a:pPr>
+            <a:r>
+              <a:rPr kumimoji="1" lang="en-US" altLang="ja-JP" sz="3200" dirty="0" smtClean="0"/>
+              <a:t>JAZUG</a:t>
+            </a:r>
+            <a:r>
+              <a:rPr kumimoji="1" lang="ja-JP" altLang="en-US" sz="3200" dirty="0" smtClean="0"/>
+              <a:t>学生支部</a:t>
+            </a:r>
+            <a:endParaRPr kumimoji="1" lang="en-US" altLang="ja-JP" sz="3200" dirty="0" smtClean="0"/>
+          </a:p>
+          <a:p>
+            <a:pPr lvl="1">
+              <a:lnSpc>
+                <a:spcPct val="150000"/>
+              </a:lnSpc>
+            </a:pPr>
+            <a:r>
+              <a:rPr lang="ja-JP" altLang="en-US" sz="2800" dirty="0" smtClean="0"/>
+              <a:t>本勉強会のユーザーコミュニティでもある</a:t>
+            </a:r>
+            <a:endParaRPr lang="en-US" altLang="ja-JP" sz="2800" dirty="0" smtClean="0"/>
+          </a:p>
+          <a:p>
+            <a:pPr lvl="1">
+              <a:lnSpc>
+                <a:spcPct val="150000"/>
+              </a:lnSpc>
+            </a:pPr>
+            <a:r>
+              <a:rPr lang="ja-JP" altLang="en-US" sz="2800" dirty="0" smtClean="0"/>
+              <a:t>学生主催で</a:t>
+            </a:r>
+            <a:r>
+              <a:rPr lang="en-US" altLang="ja-JP" sz="2800" dirty="0" smtClean="0"/>
+              <a:t>Azure</a:t>
+            </a:r>
+            <a:r>
+              <a:rPr lang="ja-JP" altLang="en-US" sz="2800" dirty="0" smtClean="0"/>
+              <a:t>のハンズオンや勉強会を開催している</a:t>
+            </a:r>
+            <a:endParaRPr kumimoji="1" lang="en-US" altLang="ja-JP" sz="2800" dirty="0" smtClean="0"/>
+          </a:p>
+          <a:p>
+            <a:pPr>
+              <a:lnSpc>
+                <a:spcPct val="150000"/>
+              </a:lnSpc>
+            </a:pPr>
+            <a:r>
+              <a:rPr kumimoji="1" lang="en-US" altLang="ja-JP" sz="3200" dirty="0" smtClean="0"/>
+              <a:t>JAZUG (Japan Azure User Group)</a:t>
+            </a:r>
+          </a:p>
+          <a:p>
+            <a:pPr lvl="1">
+              <a:lnSpc>
+                <a:spcPct val="150000"/>
+              </a:lnSpc>
+            </a:pPr>
+            <a:r>
+              <a:rPr lang="en-US" altLang="ja-JP" sz="2800" dirty="0" smtClean="0"/>
+              <a:t>Azure</a:t>
+            </a:r>
+            <a:r>
+              <a:rPr lang="ja-JP" altLang="en-US" sz="2800" dirty="0" smtClean="0"/>
+              <a:t>の社会人が中心のゆるふわコミュニティ</a:t>
+            </a:r>
+            <a:endParaRPr lang="en-US" altLang="ja-JP" sz="2800" dirty="0" smtClean="0"/>
+          </a:p>
+          <a:p>
+            <a:pPr lvl="1">
+              <a:lnSpc>
+                <a:spcPct val="150000"/>
+              </a:lnSpc>
+            </a:pPr>
+            <a:r>
+              <a:rPr kumimoji="1" lang="en-US" altLang="ja-JP" sz="2800" dirty="0" smtClean="0"/>
+              <a:t>MS MVP</a:t>
+            </a:r>
+            <a:r>
+              <a:rPr kumimoji="1" lang="ja-JP" altLang="en-US" sz="2800" dirty="0" smtClean="0"/>
+              <a:t>などの</a:t>
+            </a:r>
+            <a:r>
+              <a:rPr kumimoji="1" lang="en-US" altLang="ja-JP" sz="2800" dirty="0" smtClean="0"/>
+              <a:t>Azure</a:t>
+            </a:r>
+            <a:r>
+              <a:rPr kumimoji="1" lang="ja-JP" altLang="en-US" sz="2800" dirty="0" smtClean="0"/>
+              <a:t>界で有名な方々が参加している</a:t>
+            </a:r>
+            <a:endParaRPr kumimoji="1" lang="en-US" altLang="ja-JP" sz="2800" dirty="0" smtClean="0"/>
+          </a:p>
+          <a:p>
+            <a:pPr lvl="1">
+              <a:lnSpc>
+                <a:spcPct val="150000"/>
+              </a:lnSpc>
+            </a:pPr>
+            <a:endParaRPr lang="en-US" altLang="ja-JP" sz="1867" dirty="0"/>
+          </a:p>
+          <a:p>
+            <a:pPr>
+              <a:lnSpc>
+                <a:spcPct val="150000"/>
+              </a:lnSpc>
+            </a:pPr>
+            <a:endParaRPr kumimoji="1" lang="ja-JP" altLang="en-US" sz="2400" dirty="0"/>
           </a:p>
         </p:txBody>
       </p:sp>
     </p:spTree>
     <p:extLst>
       <p:ext uri="{BB962C8B-B14F-4D97-AF65-F5344CB8AC3E}">
-        <p14:creationId xmlns:p14="http://schemas.microsoft.com/office/powerpoint/2010/main" val="2084919992"/>
+        <p14:creationId xmlns:p14="http://schemas.microsoft.com/office/powerpoint/2010/main" val="2434632817"/>
       </p:ext>
     </p:extLst>
   </p:cSld>
@@ -39673,207 +39278,6 @@
     <p:extLst>
       <p:ext uri="{BB962C8B-B14F-4D97-AF65-F5344CB8AC3E}">
         <p14:creationId xmlns:p14="http://schemas.microsoft.com/office/powerpoint/2010/main" val="1752706564"/>
-      </p:ext>
-    </p:extLst>
-  </p:cSld>
-  <p:clrMapOvr>
-    <a:masterClrMapping/>
-  </p:clrMapOvr>
-  <mc:AlternateContent xmlns:mc="http://schemas.openxmlformats.org/markup-compatibility/2006" xmlns:p14="http://schemas.microsoft.com/office/powerpoint/2010/main">
-    <mc:Choice Requires="p14">
-      <p:transition spd="slow" p14:dur="2000"/>
-    </mc:Choice>
-    <mc:Fallback xmlns="">
-      <p:transition xmlns:p14="http://schemas.microsoft.com/office/powerpoint/2010/main" spd="slow"/>
-    </mc:Fallback>
-  </mc:AlternateContent>
-  <p:timing>
-    <p:tnLst>
-      <p:par>
-        <p:cTn id="1" dur="indefinite" restart="never" nodeType="tmRoot"/>
-      </p:par>
-    </p:tnLst>
-  </p:timing>
-</p:sld>
-</file>
-
-<file path=ppt/slides/slide50.xml><?xml version="1.0" encoding="utf-8"?>
-<p:sld xmlns:a="http://schemas.openxmlformats.org/drawingml/2006/main" xmlns:r="http://schemas.openxmlformats.org/officeDocument/2006/relationships" xmlns:p="http://schemas.openxmlformats.org/presentationml/2006/main">
-  <p:cSld>
-    <p:spTree>
-      <p:nvGrpSpPr>
-        <p:cNvPr id="1" name=""/>
-        <p:cNvGrpSpPr/>
-        <p:nvPr/>
-      </p:nvGrpSpPr>
-      <p:grpSpPr>
-        <a:xfrm>
-          <a:off x="0" y="0"/>
-          <a:ext cx="0" cy="0"/>
-          <a:chOff x="0" y="0"/>
-          <a:chExt cx="0" cy="0"/>
-        </a:xfrm>
-      </p:grpSpPr>
-      <p:sp>
-        <p:nvSpPr>
-          <p:cNvPr id="2" name="タイトル 1"/>
-          <p:cNvSpPr>
-            <a:spLocks noGrp="1"/>
-          </p:cNvSpPr>
-          <p:nvPr>
-            <p:ph type="title"/>
-          </p:nvPr>
-        </p:nvSpPr>
-        <p:spPr/>
-        <p:txBody>
-          <a:bodyPr/>
-          <a:lstStyle/>
-          <a:p>
-            <a:r>
-              <a:rPr kumimoji="1" lang="ja-JP" altLang="en-US" dirty="0" smtClean="0"/>
-              <a:t>ユーザーコミュニティ</a:t>
-            </a:r>
-            <a:endParaRPr kumimoji="1" lang="ja-JP" altLang="en-US" dirty="0"/>
-          </a:p>
-        </p:txBody>
-      </p:sp>
-      <p:sp>
-        <p:nvSpPr>
-          <p:cNvPr id="3" name="コンテンツ プレースホルダー 2"/>
-          <p:cNvSpPr>
-            <a:spLocks noGrp="1"/>
-          </p:cNvSpPr>
-          <p:nvPr>
-            <p:ph sz="half" idx="1"/>
-          </p:nvPr>
-        </p:nvSpPr>
-        <p:spPr/>
-        <p:txBody>
-          <a:bodyPr>
-            <a:normAutofit/>
-          </a:bodyPr>
-          <a:lstStyle/>
-          <a:p>
-            <a:pPr>
-              <a:lnSpc>
-                <a:spcPct val="150000"/>
-              </a:lnSpc>
-            </a:pPr>
-            <a:r>
-              <a:rPr kumimoji="1" lang="en-US" altLang="ja-JP" sz="3200" dirty="0" smtClean="0"/>
-              <a:t>JAZUG</a:t>
-            </a:r>
-            <a:r>
-              <a:rPr kumimoji="1" lang="ja-JP" altLang="en-US" sz="3200" dirty="0" smtClean="0"/>
-              <a:t>学生支部</a:t>
-            </a:r>
-            <a:endParaRPr kumimoji="1" lang="en-US" altLang="ja-JP" sz="3200" dirty="0" smtClean="0"/>
-          </a:p>
-          <a:p>
-            <a:pPr lvl="1">
-              <a:lnSpc>
-                <a:spcPct val="150000"/>
-              </a:lnSpc>
-            </a:pPr>
-            <a:r>
-              <a:rPr lang="ja-JP" altLang="en-US" sz="2800" dirty="0" smtClean="0"/>
-              <a:t>本勉強会のユーザーコミュニティでもある</a:t>
-            </a:r>
-            <a:endParaRPr lang="en-US" altLang="ja-JP" sz="2800" dirty="0" smtClean="0"/>
-          </a:p>
-          <a:p>
-            <a:pPr lvl="1">
-              <a:lnSpc>
-                <a:spcPct val="150000"/>
-              </a:lnSpc>
-            </a:pPr>
-            <a:r>
-              <a:rPr lang="ja-JP" altLang="en-US" sz="2800" dirty="0" smtClean="0"/>
-              <a:t>学生主催で</a:t>
-            </a:r>
-            <a:r>
-              <a:rPr lang="en-US" altLang="ja-JP" sz="2800" dirty="0" smtClean="0"/>
-              <a:t>Azure</a:t>
-            </a:r>
-            <a:r>
-              <a:rPr lang="ja-JP" altLang="en-US" sz="2800" dirty="0" smtClean="0"/>
-              <a:t>のハンズオンや勉強会を開催している</a:t>
-            </a:r>
-            <a:endParaRPr kumimoji="1" lang="en-US" altLang="ja-JP" sz="2800" dirty="0" smtClean="0"/>
-          </a:p>
-          <a:p>
-            <a:pPr>
-              <a:lnSpc>
-                <a:spcPct val="150000"/>
-              </a:lnSpc>
-            </a:pPr>
-            <a:r>
-              <a:rPr kumimoji="1" lang="en-US" altLang="ja-JP" sz="3200" dirty="0" smtClean="0"/>
-              <a:t>JAZUG (Japan Azure User Group)</a:t>
-            </a:r>
-          </a:p>
-          <a:p>
-            <a:pPr lvl="1">
-              <a:lnSpc>
-                <a:spcPct val="150000"/>
-              </a:lnSpc>
-            </a:pPr>
-            <a:r>
-              <a:rPr lang="en-US" altLang="ja-JP" sz="2800" dirty="0" smtClean="0"/>
-              <a:t>Azure</a:t>
-            </a:r>
-            <a:r>
-              <a:rPr lang="ja-JP" altLang="en-US" sz="2800" dirty="0" smtClean="0"/>
-              <a:t>の社会人が中心のゆるふわコミュニティ</a:t>
-            </a:r>
-            <a:endParaRPr lang="en-US" altLang="ja-JP" sz="2800" dirty="0" smtClean="0"/>
-          </a:p>
-          <a:p>
-            <a:pPr lvl="1">
-              <a:lnSpc>
-                <a:spcPct val="150000"/>
-              </a:lnSpc>
-            </a:pPr>
-            <a:r>
-              <a:rPr kumimoji="1" lang="en-US" altLang="ja-JP" sz="2800" dirty="0" smtClean="0"/>
-              <a:t>MS MVP</a:t>
-            </a:r>
-            <a:r>
-              <a:rPr kumimoji="1" lang="ja-JP" altLang="en-US" sz="2800" dirty="0" smtClean="0"/>
-              <a:t>などの</a:t>
-            </a:r>
-            <a:r>
-              <a:rPr kumimoji="1" lang="en-US" altLang="ja-JP" sz="2800" dirty="0" smtClean="0"/>
-              <a:t>Azure</a:t>
-            </a:r>
-            <a:r>
-              <a:rPr kumimoji="1" lang="ja-JP" altLang="en-US" sz="2800" dirty="0" smtClean="0"/>
-              <a:t>界で有名な方々が参加している</a:t>
-            </a:r>
-            <a:endParaRPr kumimoji="1" lang="en-US" altLang="ja-JP" sz="2800" dirty="0" smtClean="0"/>
-          </a:p>
-          <a:p>
-            <a:pPr lvl="1">
-              <a:lnSpc>
-                <a:spcPct val="150000"/>
-              </a:lnSpc>
-            </a:pPr>
-            <a:endParaRPr lang="en-US" altLang="ja-JP" sz="1867" dirty="0"/>
-          </a:p>
-          <a:p>
-            <a:pPr>
-              <a:lnSpc>
-                <a:spcPct val="150000"/>
-              </a:lnSpc>
-            </a:pPr>
-            <a:endParaRPr kumimoji="1" lang="ja-JP" altLang="en-US" sz="2400" dirty="0"/>
-          </a:p>
-        </p:txBody>
-      </p:sp>
-    </p:spTree>
-    <p:extLst>
-      <p:ext uri="{BB962C8B-B14F-4D97-AF65-F5344CB8AC3E}">
-        <p14:creationId xmlns:p14="http://schemas.microsoft.com/office/powerpoint/2010/main" val="2434632817"/>
       </p:ext>
     </p:extLst>
   </p:cSld>
